--- a/meetup.pptx
+++ b/meetup.pptx
@@ -12,6 +12,7 @@
     <p:sldId id="586" r:id="rId6"/>
     <p:sldId id="597" r:id="rId7"/>
     <p:sldId id="598" r:id="rId8"/>
+    <p:sldId id="599" r:id="rId9"/>
   </p:sldIdLst>
   <p:sldSz cx="12192000" cy="6858000"/>
   <p:notesSz cx="6858000" cy="9144000"/>
@@ -10336,13 +10337,8 @@
           <a:p>
             <a:r>
               <a:rPr lang="en-US" dirty="0"/>
-              <a:t>Deployment </a:t>
-            </a:r>
-            <a:r>
-              <a:rPr lang="en-US"/>
-              <a:t>Configuration Sample</a:t>
-            </a:r>
-            <a:endParaRPr lang="en-US" dirty="0"/>
+              <a:t>Deployment Configuration Sample</a:t>
+            </a:r>
           </a:p>
         </p:txBody>
       </p:sp>
@@ -10541,6 +10537,306 @@
     <p:extLst>
       <p:ext uri="{BB962C8B-B14F-4D97-AF65-F5344CB8AC3E}">
         <p14:creationId xmlns:p14="http://schemas.microsoft.com/office/powerpoint/2010/main" val="3368327655"/>
+      </p:ext>
+    </p:extLst>
+  </p:cSld>
+  <p:clrMapOvr>
+    <a:masterClrMapping/>
+  </p:clrMapOvr>
+</p:sld>
+</file>
+
+<file path=ppt/slides/slide7.xml><?xml version="1.0" encoding="utf-8"?>
+<p:sld xmlns:a="http://schemas.openxmlformats.org/drawingml/2006/main" xmlns:r="http://schemas.openxmlformats.org/officeDocument/2006/relationships" xmlns:p="http://schemas.openxmlformats.org/presentationml/2006/main">
+  <p:cSld>
+    <p:spTree>
+      <p:nvGrpSpPr>
+        <p:cNvPr id="1" name=""/>
+        <p:cNvGrpSpPr/>
+        <p:nvPr/>
+      </p:nvGrpSpPr>
+      <p:grpSpPr>
+        <a:xfrm>
+          <a:off x="0" y="0"/>
+          <a:ext cx="0" cy="0"/>
+          <a:chOff x="0" y="0"/>
+          <a:chExt cx="0" cy="0"/>
+        </a:xfrm>
+      </p:grpSpPr>
+      <p:sp>
+        <p:nvSpPr>
+          <p:cNvPr id="2" name="Title 1"/>
+          <p:cNvSpPr>
+            <a:spLocks noGrp="1"/>
+          </p:cNvSpPr>
+          <p:nvPr>
+            <p:ph type="title"/>
+          </p:nvPr>
+        </p:nvSpPr>
+        <p:spPr/>
+        <p:txBody>
+          <a:bodyPr/>
+          <a:lstStyle/>
+          <a:p>
+            <a:r>
+              <a:rPr lang="en-US" dirty="0"/>
+              <a:t>Repositories</a:t>
+            </a:r>
+          </a:p>
+        </p:txBody>
+      </p:sp>
+      <p:sp>
+        <p:nvSpPr>
+          <p:cNvPr id="3" name="Content Placeholder 2"/>
+          <p:cNvSpPr>
+            <a:spLocks noGrp="1"/>
+          </p:cNvSpPr>
+          <p:nvPr>
+            <p:ph idx="1"/>
+          </p:nvPr>
+        </p:nvSpPr>
+        <p:spPr/>
+        <p:txBody>
+          <a:bodyPr>
+            <a:normAutofit/>
+          </a:bodyPr>
+          <a:lstStyle/>
+          <a:p>
+            <a:pPr marL="0" indent="0">
+              <a:buNone/>
+            </a:pPr>
+            <a:r>
+              <a:rPr lang="en-US" dirty="0"/>
+              <a:t>Playbook Repo </a:t>
+            </a:r>
+          </a:p>
+          <a:p>
+            <a:pPr marL="0" indent="0">
+              <a:buNone/>
+            </a:pPr>
+            <a:r>
+              <a:rPr lang="en-US" dirty="0">
+                <a:hlinkClick r:id="rId2"/>
+              </a:rPr>
+              <a:t>https://</a:t>
+            </a:r>
+            <a:r>
+              <a:rPr lang="en-US" dirty="0" err="1">
+                <a:hlinkClick r:id="rId2"/>
+              </a:rPr>
+              <a:t>github.com</a:t>
+            </a:r>
+            <a:r>
+              <a:rPr lang="en-US" dirty="0">
+                <a:hlinkClick r:id="rId2"/>
+              </a:rPr>
+              <a:t>/whitej6/</a:t>
+            </a:r>
+            <a:r>
+              <a:rPr lang="en-US" dirty="0" err="1">
+                <a:hlinkClick r:id="rId2"/>
+              </a:rPr>
+              <a:t>Demo_Repo</a:t>
+            </a:r>
+            <a:endParaRPr lang="en-US" dirty="0"/>
+          </a:p>
+          <a:p>
+            <a:pPr marL="0" indent="0">
+              <a:buNone/>
+            </a:pPr>
+            <a:endParaRPr lang="en-US" dirty="0"/>
+          </a:p>
+          <a:p>
+            <a:pPr marL="0" indent="0">
+              <a:buNone/>
+            </a:pPr>
+            <a:r>
+              <a:rPr lang="en-US" dirty="0"/>
+              <a:t>AWX Deployment Repo</a:t>
+            </a:r>
+          </a:p>
+          <a:p>
+            <a:pPr marL="0" indent="0">
+              <a:buNone/>
+            </a:pPr>
+            <a:r>
+              <a:rPr lang="en-US" dirty="0">
+                <a:hlinkClick r:id="rId3"/>
+              </a:rPr>
+              <a:t>https://github.com/whitej6/meetup_demo</a:t>
+            </a:r>
+            <a:r>
+              <a:rPr lang="en-US" dirty="0"/>
+              <a:t> </a:t>
+            </a:r>
+          </a:p>
+        </p:txBody>
+      </p:sp>
+      <p:sp>
+        <p:nvSpPr>
+          <p:cNvPr id="4" name="Date Placeholder 3">
+            <a:extLst>
+              <a:ext uri="{FF2B5EF4-FFF2-40B4-BE49-F238E27FC236}">
+                <a16:creationId xmlns:a16="http://schemas.microsoft.com/office/drawing/2014/main" id="{882BB17B-F99D-8845-83F5-3B8E774E5ECA}"/>
+              </a:ext>
+            </a:extLst>
+          </p:cNvPr>
+          <p:cNvSpPr>
+            <a:spLocks noGrp="1"/>
+          </p:cNvSpPr>
+          <p:nvPr>
+            <p:ph type="dt" sz="half" idx="10"/>
+          </p:nvPr>
+        </p:nvSpPr>
+        <p:spPr/>
+        <p:txBody>
+          <a:bodyPr/>
+          <a:lstStyle/>
+          <a:p>
+            <a:pPr marL="0" marR="0" lvl="0" indent="0" algn="l" defTabSz="914400" rtl="0" eaLnBrk="1" fontAlgn="auto" latinLnBrk="0" hangingPunct="1">
+              <a:lnSpc>
+                <a:spcPct val="100000"/>
+              </a:lnSpc>
+              <a:spcBef>
+                <a:spcPts val="0"/>
+              </a:spcBef>
+              <a:spcAft>
+                <a:spcPts val="0"/>
+              </a:spcAft>
+              <a:buClrTx/>
+              <a:buSzTx/>
+              <a:buFontTx/>
+              <a:buNone/>
+              <a:tabLst/>
+              <a:defRPr/>
+            </a:pPr>
+            <a:r>
+              <a:rPr kumimoji="0" lang="en-US" sz="1200" b="0" i="0" u="none" strike="noStrike" kern="1200" cap="none" spc="0" normalizeH="0" baseline="0" noProof="0">
+                <a:ln>
+                  <a:noFill/>
+                </a:ln>
+                <a:solidFill>
+                  <a:srgbClr val="44546A"/>
+                </a:solidFill>
+                <a:effectLst/>
+                <a:uLnTx/>
+                <a:uFillTx/>
+                <a:latin typeface="Palatino Linotype" panose="02040502050505030304" pitchFamily="18" charset="0"/>
+                <a:ea typeface="+mn-ea"/>
+                <a:cs typeface="+mn-cs"/>
+              </a:rPr>
+              <a:t>www.networktocode.com</a:t>
+            </a:r>
+            <a:endParaRPr kumimoji="0" lang="en-US" sz="1200" b="0" i="0" u="none" strike="noStrike" kern="1200" cap="none" spc="0" normalizeH="0" baseline="0" noProof="0" dirty="0">
+              <a:ln>
+                <a:noFill/>
+              </a:ln>
+              <a:solidFill>
+                <a:srgbClr val="44546A"/>
+              </a:solidFill>
+              <a:effectLst/>
+              <a:uLnTx/>
+              <a:uFillTx/>
+              <a:latin typeface="Palatino Linotype" panose="02040502050505030304" pitchFamily="18" charset="0"/>
+              <a:ea typeface="+mn-ea"/>
+              <a:cs typeface="+mn-cs"/>
+            </a:endParaRPr>
+          </a:p>
+        </p:txBody>
+      </p:sp>
+      <p:sp>
+        <p:nvSpPr>
+          <p:cNvPr id="6" name="Slide Number Placeholder 5">
+            <a:extLst>
+              <a:ext uri="{FF2B5EF4-FFF2-40B4-BE49-F238E27FC236}">
+                <a16:creationId xmlns:a16="http://schemas.microsoft.com/office/drawing/2014/main" id="{DC27B282-E583-D940-A935-46A347F6C9AB}"/>
+              </a:ext>
+            </a:extLst>
+          </p:cNvPr>
+          <p:cNvSpPr>
+            <a:spLocks noGrp="1"/>
+          </p:cNvSpPr>
+          <p:nvPr>
+            <p:ph type="sldNum" sz="quarter" idx="12"/>
+          </p:nvPr>
+        </p:nvSpPr>
+        <p:spPr/>
+        <p:txBody>
+          <a:bodyPr/>
+          <a:lstStyle/>
+          <a:p>
+            <a:pPr marL="0" marR="0" lvl="0" indent="0" algn="r" defTabSz="914400" rtl="0" eaLnBrk="1" fontAlgn="auto" latinLnBrk="0" hangingPunct="1">
+              <a:lnSpc>
+                <a:spcPct val="100000"/>
+              </a:lnSpc>
+              <a:spcBef>
+                <a:spcPts val="0"/>
+              </a:spcBef>
+              <a:spcAft>
+                <a:spcPts val="0"/>
+              </a:spcAft>
+              <a:buClrTx/>
+              <a:buSzTx/>
+              <a:buFontTx/>
+              <a:buNone/>
+              <a:tabLst/>
+              <a:defRPr/>
+            </a:pPr>
+            <a:fld id="{25432005-F95C-1042-B169-0520854A0B2A}" type="slidenum">
+              <a:rPr kumimoji="0" lang="en-US" sz="1200" b="0" i="0" u="none" strike="noStrike" kern="1200" cap="none" spc="0" normalizeH="0" baseline="0" noProof="0" smtClean="0">
+                <a:ln>
+                  <a:noFill/>
+                </a:ln>
+                <a:solidFill>
+                  <a:srgbClr val="44546A"/>
+                </a:solidFill>
+                <a:effectLst/>
+                <a:uLnTx/>
+                <a:uFillTx/>
+                <a:latin typeface="Calibri"/>
+                <a:ea typeface="+mn-ea"/>
+                <a:cs typeface="+mn-cs"/>
+              </a:rPr>
+              <a:pPr marL="0" marR="0" lvl="0" indent="0" algn="r" defTabSz="914400" rtl="0" eaLnBrk="1" fontAlgn="auto" latinLnBrk="0" hangingPunct="1">
+                <a:lnSpc>
+                  <a:spcPct val="100000"/>
+                </a:lnSpc>
+                <a:spcBef>
+                  <a:spcPts val="0"/>
+                </a:spcBef>
+                <a:spcAft>
+                  <a:spcPts val="0"/>
+                </a:spcAft>
+                <a:buClrTx/>
+                <a:buSzTx/>
+                <a:buFontTx/>
+                <a:buNone/>
+                <a:tabLst/>
+                <a:defRPr/>
+              </a:pPr>
+              <a:t>7</a:t>
+            </a:fld>
+            <a:endParaRPr kumimoji="0" lang="en-US" sz="1200" b="0" i="0" u="none" strike="noStrike" kern="1200" cap="none" spc="0" normalizeH="0" baseline="0" noProof="0" dirty="0">
+              <a:ln>
+                <a:noFill/>
+              </a:ln>
+              <a:solidFill>
+                <a:srgbClr val="44546A"/>
+              </a:solidFill>
+              <a:effectLst/>
+              <a:uLnTx/>
+              <a:uFillTx/>
+              <a:latin typeface="Calibri"/>
+              <a:ea typeface="+mn-ea"/>
+              <a:cs typeface="+mn-cs"/>
+            </a:endParaRPr>
+          </a:p>
+        </p:txBody>
+      </p:sp>
+    </p:spTree>
+    <p:extLst>
+      <p:ext uri="{BB962C8B-B14F-4D97-AF65-F5344CB8AC3E}">
+        <p14:creationId xmlns:p14="http://schemas.microsoft.com/office/powerpoint/2010/main" val="226450767"/>
       </p:ext>
     </p:extLst>
   </p:cSld>
